--- a/CSC458/lecture/w7/H15--CSC458--Tutorial-JL.pptx
+++ b/CSC458/lecture/w7/H15--CSC458--Tutorial-JL.pptx
@@ -231,7 +231,7 @@
           <a:p>
             <a:fld id="{67F467C1-2FED-0542-9B30-F3DC3C128C94}" type="datetimeFigureOut">
               <a:rPr kumimoji="1" lang="zh-CN" altLang="en-US" smtClean="0"/>
-              <a:t>2017/10/27</a:t>
+              <a:t>2017/11/21</a:t>
             </a:fld>
             <a:endParaRPr kumimoji="1" lang="zh-CN" altLang="en-US"/>
           </a:p>
@@ -932,7 +932,7 @@
           <a:p>
             <a:fld id="{5B128497-561E-EA4C-92D2-29B4722CABB7}" type="datetimeFigureOut">
               <a:rPr kumimoji="1" lang="zh-CN" altLang="en-US" smtClean="0"/>
-              <a:t>2017/10/27</a:t>
+              <a:t>2017/11/21</a:t>
             </a:fld>
             <a:endParaRPr kumimoji="1" lang="zh-CN" altLang="en-US"/>
           </a:p>
@@ -1102,7 +1102,7 @@
           <a:p>
             <a:fld id="{5B128497-561E-EA4C-92D2-29B4722CABB7}" type="datetimeFigureOut">
               <a:rPr kumimoji="1" lang="zh-CN" altLang="en-US" smtClean="0"/>
-              <a:t>2017/10/27</a:t>
+              <a:t>2017/11/21</a:t>
             </a:fld>
             <a:endParaRPr kumimoji="1" lang="zh-CN" altLang="en-US"/>
           </a:p>
@@ -1282,7 +1282,7 @@
           <a:p>
             <a:fld id="{5B128497-561E-EA4C-92D2-29B4722CABB7}" type="datetimeFigureOut">
               <a:rPr kumimoji="1" lang="zh-CN" altLang="en-US" smtClean="0"/>
-              <a:t>2017/10/27</a:t>
+              <a:t>2017/11/21</a:t>
             </a:fld>
             <a:endParaRPr kumimoji="1" lang="zh-CN" altLang="en-US"/>
           </a:p>
@@ -1452,7 +1452,7 @@
           <a:p>
             <a:fld id="{5B128497-561E-EA4C-92D2-29B4722CABB7}" type="datetimeFigureOut">
               <a:rPr kumimoji="1" lang="zh-CN" altLang="en-US" smtClean="0"/>
-              <a:t>2017/10/27</a:t>
+              <a:t>2017/11/21</a:t>
             </a:fld>
             <a:endParaRPr kumimoji="1" lang="zh-CN" altLang="en-US"/>
           </a:p>
@@ -1698,7 +1698,7 @@
           <a:p>
             <a:fld id="{5B128497-561E-EA4C-92D2-29B4722CABB7}" type="datetimeFigureOut">
               <a:rPr kumimoji="1" lang="zh-CN" altLang="en-US" smtClean="0"/>
-              <a:t>2017/10/27</a:t>
+              <a:t>2017/11/21</a:t>
             </a:fld>
             <a:endParaRPr kumimoji="1" lang="zh-CN" altLang="en-US"/>
           </a:p>
@@ -1986,7 +1986,7 @@
           <a:p>
             <a:fld id="{5B128497-561E-EA4C-92D2-29B4722CABB7}" type="datetimeFigureOut">
               <a:rPr kumimoji="1" lang="zh-CN" altLang="en-US" smtClean="0"/>
-              <a:t>2017/10/27</a:t>
+              <a:t>2017/11/21</a:t>
             </a:fld>
             <a:endParaRPr kumimoji="1" lang="zh-CN" altLang="en-US"/>
           </a:p>
@@ -2408,7 +2408,7 @@
           <a:p>
             <a:fld id="{5B128497-561E-EA4C-92D2-29B4722CABB7}" type="datetimeFigureOut">
               <a:rPr kumimoji="1" lang="zh-CN" altLang="en-US" smtClean="0"/>
-              <a:t>2017/10/27</a:t>
+              <a:t>2017/11/21</a:t>
             </a:fld>
             <a:endParaRPr kumimoji="1" lang="zh-CN" altLang="en-US"/>
           </a:p>
@@ -2526,7 +2526,7 @@
           <a:p>
             <a:fld id="{5B128497-561E-EA4C-92D2-29B4722CABB7}" type="datetimeFigureOut">
               <a:rPr kumimoji="1" lang="zh-CN" altLang="en-US" smtClean="0"/>
-              <a:t>2017/10/27</a:t>
+              <a:t>2017/11/21</a:t>
             </a:fld>
             <a:endParaRPr kumimoji="1" lang="zh-CN" altLang="en-US"/>
           </a:p>
@@ -2621,7 +2621,7 @@
           <a:p>
             <a:fld id="{5B128497-561E-EA4C-92D2-29B4722CABB7}" type="datetimeFigureOut">
               <a:rPr kumimoji="1" lang="zh-CN" altLang="en-US" smtClean="0"/>
-              <a:t>2017/10/27</a:t>
+              <a:t>2017/11/21</a:t>
             </a:fld>
             <a:endParaRPr kumimoji="1" lang="zh-CN" altLang="en-US"/>
           </a:p>
@@ -2898,7 +2898,7 @@
           <a:p>
             <a:fld id="{5B128497-561E-EA4C-92D2-29B4722CABB7}" type="datetimeFigureOut">
               <a:rPr kumimoji="1" lang="zh-CN" altLang="en-US" smtClean="0"/>
-              <a:t>2017/10/27</a:t>
+              <a:t>2017/11/21</a:t>
             </a:fld>
             <a:endParaRPr kumimoji="1" lang="zh-CN" altLang="en-US"/>
           </a:p>
@@ -3151,7 +3151,7 @@
           <a:p>
             <a:fld id="{5B128497-561E-EA4C-92D2-29B4722CABB7}" type="datetimeFigureOut">
               <a:rPr kumimoji="1" lang="zh-CN" altLang="en-US" smtClean="0"/>
-              <a:t>2017/10/27</a:t>
+              <a:t>2017/11/21</a:t>
             </a:fld>
             <a:endParaRPr kumimoji="1" lang="zh-CN" altLang="en-US"/>
           </a:p>
@@ -3364,7 +3364,7 @@
           <a:p>
             <a:fld id="{5B128497-561E-EA4C-92D2-29B4722CABB7}" type="datetimeFigureOut">
               <a:rPr kumimoji="1" lang="zh-CN" altLang="en-US" smtClean="0"/>
-              <a:t>2017/10/27</a:t>
+              <a:t>2017/11/21</a:t>
             </a:fld>
             <a:endParaRPr kumimoji="1" lang="zh-CN" altLang="en-US"/>
           </a:p>
@@ -5235,10 +5235,18 @@
           </a:p>
           <a:p>
             <a:r>
-              <a:rPr kumimoji="1" lang="en-US" altLang="zh-CN" dirty="0" smtClean="0"/>
+              <a:rPr kumimoji="1" lang="en-US" altLang="zh-CN" dirty="0" smtClean="0">
+                <a:solidFill>
+                  <a:srgbClr val="FF0000"/>
+                </a:solidFill>
+              </a:rPr>
               <a:t>Id: 100</a:t>
             </a:r>
-            <a:endParaRPr kumimoji="1" lang="zh-CN" altLang="en-US" dirty="0"/>
+            <a:endParaRPr kumimoji="1" lang="zh-CN" altLang="en-US" dirty="0">
+              <a:solidFill>
+                <a:srgbClr val="FF0000"/>
+              </a:solidFill>
+            </a:endParaRPr>
           </a:p>
         </p:txBody>
       </p:sp>
@@ -5291,10 +5299,18 @@
           </a:p>
           <a:p>
             <a:r>
-              <a:rPr kumimoji="1" lang="en-US" altLang="zh-CN" dirty="0" smtClean="0"/>
+              <a:rPr kumimoji="1" lang="en-US" altLang="zh-CN" dirty="0" smtClean="0">
+                <a:solidFill>
+                  <a:srgbClr val="FF0000"/>
+                </a:solidFill>
+              </a:rPr>
               <a:t>Id: 100</a:t>
             </a:r>
-            <a:endParaRPr kumimoji="1" lang="zh-CN" altLang="en-US" dirty="0"/>
+            <a:endParaRPr kumimoji="1" lang="zh-CN" altLang="en-US" dirty="0">
+              <a:solidFill>
+                <a:srgbClr val="FF0000"/>
+              </a:solidFill>
+            </a:endParaRPr>
           </a:p>
         </p:txBody>
       </p:sp>
@@ -5515,7 +5531,7 @@
         <p:spPr/>
         <p:txBody>
           <a:bodyPr>
-            <a:normAutofit fontScale="85000" lnSpcReduction="20000"/>
+            <a:normAutofit fontScale="70000" lnSpcReduction="20000"/>
           </a:bodyPr>
           <a:lstStyle/>
           <a:p>
@@ -5558,19 +5574,43 @@
             </a:r>
             <a:r>
               <a:rPr lang="en-US" altLang="zh-CN" dirty="0" smtClean="0"/>
-              <a:t>(x’,</a:t>
-            </a:r>
-            <a:r>
-              <a:rPr lang="en-US" altLang="zh-CN" dirty="0" err="1" smtClean="0"/>
+              <a:t>(</a:t>
+            </a:r>
+            <a:r>
+              <a:rPr lang="en-US" altLang="zh-CN" dirty="0" smtClean="0">
+                <a:solidFill>
+                  <a:srgbClr val="FF0000"/>
+                </a:solidFill>
+              </a:rPr>
+              <a:t>x’,</a:t>
+            </a:r>
+            <a:r>
+              <a:rPr lang="en-US" altLang="zh-CN" dirty="0" err="1" smtClean="0">
+                <a:solidFill>
+                  <a:srgbClr val="FF0000"/>
+                </a:solidFill>
+              </a:rPr>
               <a:t>px</a:t>
             </a:r>
             <a:r>
-              <a:rPr lang="en-US" altLang="zh-CN" dirty="0" smtClean="0"/>
+              <a:rPr lang="en-US" altLang="zh-CN" dirty="0" smtClean="0">
+                <a:solidFill>
+                  <a:srgbClr val="FF0000"/>
+                </a:solidFill>
+              </a:rPr>
               <a:t>’</a:t>
             </a:r>
             <a:r>
+              <a:rPr lang="en-US" altLang="zh-CN" dirty="0">
+                <a:solidFill>
+                  <a:srgbClr val="FF0000"/>
+                </a:solidFill>
+              </a:rPr>
+              <a:t>) </a:t>
+            </a:r>
+            <a:r>
               <a:rPr lang="en-US" altLang="zh-CN" dirty="0"/>
-              <a:t>) is created for a packet destined to </a:t>
+              <a:t>is created for a packet destined to </a:t>
             </a:r>
             <a:r>
               <a:rPr lang="en-US" altLang="zh-CN" dirty="0" smtClean="0"/>
@@ -5612,7 +5652,11 @@
             </a:r>
             <a:r>
               <a:rPr lang="en-US" altLang="zh-CN" dirty="0"/>
-              <a:t>(i.e. doesn’t depend on endpoints) </a:t>
+              <a:t>(i.e. doesn’t depend on </a:t>
+            </a:r>
+            <a:r>
+              <a:rPr lang="en-US" altLang="zh-CN" dirty="0" smtClean="0"/>
+              <a:t>endpoints, depends on source) </a:t>
             </a:r>
             <a:endParaRPr lang="en-US" altLang="zh-CN" dirty="0" smtClean="0">
               <a:effectLst/>
@@ -5735,6 +5779,18 @@
             <a:r>
               <a:rPr lang="en-US" altLang="zh-CN" dirty="0"/>
               <a:t>) </a:t>
+            </a:r>
+            <a:r>
+              <a:rPr lang="en-US" altLang="zh-CN" dirty="0" smtClean="0"/>
+              <a:t>(Idea is just use entries in the NAT table, don</a:t>
+            </a:r>
+            <a:r>
+              <a:rPr lang="mr-IN" altLang="zh-CN" dirty="0" smtClean="0"/>
+              <a:t>’</a:t>
+            </a:r>
+            <a:r>
+              <a:rPr lang="en-US" altLang="zh-CN" smtClean="0"/>
+              <a:t>t check where request coming from)</a:t>
             </a:r>
             <a:endParaRPr lang="en-US" altLang="zh-CN" dirty="0" smtClean="0">
               <a:effectLst/>
@@ -8166,7 +8222,7 @@
               </a:lnSpc>
             </a:pPr>
             <a:r>
-              <a:rPr lang="en-US" altLang="en-US">
+              <a:rPr lang="en-US" altLang="en-US" dirty="0">
                 <a:latin typeface="Gill Sans MT" charset="0"/>
               </a:rPr>
               <a:t>datagrams with source or </a:t>
@@ -8179,7 +8235,7 @@
               </a:lnSpc>
             </a:pPr>
             <a:r>
-              <a:rPr lang="en-US" altLang="en-US">
+              <a:rPr lang="en-US" altLang="en-US" dirty="0">
                 <a:latin typeface="Gill Sans MT" charset="0"/>
               </a:rPr>
               <a:t>destination in this network</a:t>
@@ -8192,7 +8248,10 @@
               </a:lnSpc>
             </a:pPr>
             <a:r>
-              <a:rPr lang="en-US" altLang="en-US">
+              <a:rPr lang="en-US" altLang="en-US" dirty="0">
+                <a:solidFill>
+                  <a:srgbClr val="FF0000"/>
+                </a:solidFill>
                 <a:latin typeface="Gill Sans MT" charset="0"/>
               </a:rPr>
               <a:t>have 10.0.0/24 address for </a:t>
@@ -8205,10 +8264,19 @@
               </a:lnSpc>
             </a:pPr>
             <a:r>
-              <a:rPr lang="en-US" altLang="en-US">
+              <a:rPr lang="en-US" altLang="en-US" dirty="0">
+                <a:solidFill>
+                  <a:srgbClr val="FF0000"/>
+                </a:solidFill>
                 <a:latin typeface="Gill Sans MT" charset="0"/>
               </a:rPr>
-              <a:t>source, destination (as usual)</a:t>
+              <a:t>source, destination </a:t>
+            </a:r>
+            <a:r>
+              <a:rPr lang="en-US" altLang="en-US" dirty="0">
+                <a:latin typeface="Gill Sans MT" charset="0"/>
+              </a:rPr>
+              <a:t>(as usual)</a:t>
             </a:r>
           </a:p>
         </p:txBody>
@@ -8371,7 +8439,7 @@
               </a:lnSpc>
             </a:pPr>
             <a:r>
-              <a:rPr lang="en-US" altLang="en-US" i="1">
+              <a:rPr lang="en-US" altLang="en-US" i="1" dirty="0">
                 <a:solidFill>
                   <a:srgbClr val="CC0000"/>
                 </a:solidFill>
@@ -8380,7 +8448,7 @@
               <a:t>all</a:t>
             </a:r>
             <a:r>
-              <a:rPr lang="en-US" altLang="en-US">
+              <a:rPr lang="en-US" altLang="en-US" dirty="0">
                 <a:solidFill>
                   <a:srgbClr val="CC0000"/>
                 </a:solidFill>
@@ -8389,13 +8457,13 @@
               <a:t> </a:t>
             </a:r>
             <a:r>
-              <a:rPr lang="en-US" altLang="en-US">
+              <a:rPr lang="en-US" altLang="en-US" dirty="0">
                 <a:latin typeface="Gill Sans MT" charset="0"/>
               </a:rPr>
               <a:t>datagrams </a:t>
             </a:r>
             <a:r>
-              <a:rPr lang="en-US" altLang="en-US" i="1">
+              <a:rPr lang="en-US" altLang="en-US" i="1" dirty="0">
                 <a:solidFill>
                   <a:srgbClr val="CC0000"/>
                 </a:solidFill>
@@ -8404,7 +8472,7 @@
               <a:t>leaving</a:t>
             </a:r>
             <a:r>
-              <a:rPr lang="en-US" altLang="en-US">
+              <a:rPr lang="en-US" altLang="en-US" dirty="0">
                 <a:latin typeface="Gill Sans MT" charset="0"/>
               </a:rPr>
               <a:t> local</a:t>
@@ -8417,13 +8485,13 @@
               </a:lnSpc>
             </a:pPr>
             <a:r>
-              <a:rPr lang="en-US" altLang="en-US">
+              <a:rPr lang="en-US" altLang="en-US" dirty="0">
                 <a:latin typeface="Gill Sans MT" charset="0"/>
               </a:rPr>
               <a:t>network have </a:t>
             </a:r>
             <a:r>
-              <a:rPr lang="en-US" altLang="en-US" i="1">
+              <a:rPr lang="en-US" altLang="en-US" i="1" dirty="0">
                 <a:solidFill>
                   <a:srgbClr val="CC0000"/>
                 </a:solidFill>
@@ -8432,10 +8500,25 @@
               <a:t>same</a:t>
             </a:r>
             <a:r>
-              <a:rPr lang="en-US" altLang="en-US">
+              <a:rPr lang="en-US" altLang="en-US" dirty="0">
                 <a:latin typeface="Gill Sans MT" charset="0"/>
               </a:rPr>
-              <a:t> single source NAT IP address: 138.76.29.7,different source port numbers</a:t>
+              <a:t> single source NAT IP address: 138.76.29.7,</a:t>
+            </a:r>
+            <a:r>
+              <a:rPr lang="en-US" altLang="en-US" dirty="0">
+                <a:solidFill>
+                  <a:srgbClr val="FF0000"/>
+                </a:solidFill>
+                <a:latin typeface="Gill Sans MT" charset="0"/>
+              </a:rPr>
+              <a:t>different</a:t>
+            </a:r>
+            <a:r>
+              <a:rPr lang="en-US" altLang="en-US" dirty="0">
+                <a:latin typeface="Gill Sans MT" charset="0"/>
+              </a:rPr>
+              <a:t> source port numbers</a:t>
             </a:r>
           </a:p>
         </p:txBody>
@@ -10378,11 +10461,7 @@
           <a:p>
             <a:r>
               <a:rPr lang="en-US" altLang="zh-CN" dirty="0" smtClean="0"/>
-              <a:t>Due Friday Nov. </a:t>
-            </a:r>
-            <a:r>
-              <a:rPr lang="en-US" altLang="zh-CN" dirty="0" smtClean="0"/>
-              <a:t>26th </a:t>
+              <a:t>Due Friday Nov. 26th </a:t>
             </a:r>
             <a:endParaRPr lang="en-US" altLang="zh-CN" dirty="0" smtClean="0">
               <a:effectLst/>
@@ -11069,7 +11148,22 @@
               <a:rPr lang="en-US" altLang="en-US" dirty="0" smtClean="0">
                 <a:ea typeface="ＭＳ Ｐゴシック" charset="-128"/>
               </a:rPr>
-              <a:t>devices inside local net not explicitly addressable, visible by outside world (a security plus)</a:t>
+              <a:t>devices inside local net </a:t>
+            </a:r>
+            <a:r>
+              <a:rPr lang="en-US" altLang="en-US" dirty="0" smtClean="0">
+                <a:solidFill>
+                  <a:srgbClr val="FF0000"/>
+                </a:solidFill>
+                <a:ea typeface="ＭＳ Ｐゴシック" charset="-128"/>
+              </a:rPr>
+              <a:t>not explicitly addressable, </a:t>
+            </a:r>
+            <a:r>
+              <a:rPr lang="en-US" altLang="en-US" dirty="0" smtClean="0">
+                <a:ea typeface="ＭＳ Ｐゴシック" charset="-128"/>
+              </a:rPr>
+              <a:t>visible by outside world (a security plus)</a:t>
             </a:r>
           </a:p>
           <a:p>
@@ -12835,13 +12929,21 @@
               </a:lstStyle>
               <a:p>
                 <a:r>
-                  <a:rPr lang="en-US" altLang="en-US" sz="1200"/>
-                  <a:t>S: 10.0.0.1, 3345</a:t>
+                  <a:rPr lang="en-US" altLang="en-US" sz="1200" dirty="0"/>
+                  <a:t>S: </a:t>
+                </a:r>
+                <a:r>
+                  <a:rPr lang="en-US" altLang="en-US" sz="1200" dirty="0">
+                    <a:solidFill>
+                      <a:srgbClr val="FF0000"/>
+                    </a:solidFill>
+                  </a:rPr>
+                  <a:t>10.0.0.1, 3345</a:t>
                 </a:r>
               </a:p>
               <a:p>
                 <a:r>
-                  <a:rPr lang="en-US" altLang="en-US" sz="1200"/>
+                  <a:rPr lang="en-US" altLang="en-US" sz="1200" dirty="0"/>
                   <a:t>D: 128.119.40.186, 80</a:t>
                 </a:r>
               </a:p>
@@ -15081,9 +15183,9 @@
         <p:grpSpPr bwMode="auto">
           <a:xfrm>
             <a:off x="4814887" y="3789311"/>
-            <a:ext cx="2784475" cy="1631950"/>
+            <a:ext cx="2784475" cy="1638300"/>
             <a:chOff x="3002" y="2417"/>
-            <a:chExt cx="1754" cy="1028"/>
+            <a:chExt cx="1754" cy="1032"/>
           </a:xfrm>
         </p:grpSpPr>
         <p:sp>
@@ -15239,7 +15341,7 @@
           <p:spPr bwMode="auto">
             <a:xfrm>
               <a:off x="3104" y="3042"/>
-              <a:ext cx="1112" cy="403"/>
+              <a:ext cx="1112" cy="407"/>
             </a:xfrm>
             <a:prstGeom prst="rect">
               <a:avLst/>
@@ -15381,18 +15483,26 @@
             </a:lstStyle>
             <a:p>
               <a:r>
-                <a:rPr lang="en-US" altLang="en-US" sz="1200"/>
+                <a:rPr lang="en-US" altLang="en-US" sz="1200" dirty="0"/>
                 <a:t>S: 128.119.40.186, 80 </a:t>
               </a:r>
             </a:p>
             <a:p>
               <a:r>
-                <a:rPr lang="en-US" altLang="en-US" sz="1200"/>
-                <a:t>D: 10.0.0.1, 3345</a:t>
+                <a:rPr lang="en-US" altLang="en-US" sz="1200" dirty="0"/>
+                <a:t>D: </a:t>
+              </a:r>
+              <a:r>
+                <a:rPr lang="en-US" altLang="en-US" sz="1200" dirty="0">
+                  <a:solidFill>
+                    <a:srgbClr val="FF0000"/>
+                  </a:solidFill>
+                </a:rPr>
+                <a:t>10.0.0.1, 3345</a:t>
               </a:r>
             </a:p>
             <a:p>
-              <a:endParaRPr lang="en-US" altLang="en-US" sz="1200"/>
+              <a:endParaRPr lang="en-US" altLang="en-US" sz="1200" dirty="0"/>
             </a:p>
           </p:txBody>
         </p:sp>
@@ -16546,13 +16656,21 @@
               </a:lstStyle>
               <a:p>
                 <a:r>
-                  <a:rPr lang="en-US" altLang="en-US" sz="1200"/>
-                  <a:t>S: 138.76.29.7, 5001</a:t>
+                  <a:rPr lang="en-US" altLang="en-US" sz="1200" dirty="0"/>
+                  <a:t>S: </a:t>
+                </a:r>
+                <a:r>
+                  <a:rPr lang="en-US" altLang="en-US" sz="1200" dirty="0">
+                    <a:solidFill>
+                      <a:srgbClr val="FF0000"/>
+                    </a:solidFill>
+                  </a:rPr>
+                  <a:t>138.76.29.7, 5001</a:t>
                 </a:r>
               </a:p>
               <a:p>
                 <a:r>
-                  <a:rPr lang="en-US" altLang="en-US" sz="1200"/>
+                  <a:rPr lang="en-US" altLang="en-US" sz="1200" dirty="0"/>
                   <a:t>D: 128.119.40.186, 80</a:t>
                 </a:r>
               </a:p>
@@ -17739,9 +17857,9 @@
         <p:grpSpPr bwMode="auto">
           <a:xfrm>
             <a:off x="1409700" y="5035499"/>
-            <a:ext cx="2471737" cy="696912"/>
+            <a:ext cx="2471737" cy="703262"/>
             <a:chOff x="1163" y="3752"/>
-            <a:chExt cx="1557" cy="439"/>
+            <a:chExt cx="1557" cy="443"/>
           </a:xfrm>
         </p:grpSpPr>
         <p:sp>
@@ -17897,7 +18015,7 @@
           <p:spPr bwMode="auto">
             <a:xfrm>
               <a:off x="1281" y="3788"/>
-              <a:ext cx="1120" cy="403"/>
+              <a:ext cx="1120" cy="407"/>
             </a:xfrm>
             <a:prstGeom prst="rect">
               <a:avLst/>
@@ -18039,18 +18157,30 @@
             </a:lstStyle>
             <a:p>
               <a:r>
-                <a:rPr lang="en-US" altLang="en-US" sz="1200"/>
+                <a:rPr lang="en-US" altLang="en-US" sz="1200" dirty="0"/>
                 <a:t>S: 128.119.40.186, 80 </a:t>
               </a:r>
             </a:p>
             <a:p>
               <a:r>
-                <a:rPr lang="en-US" altLang="en-US" sz="1200"/>
-                <a:t>D: 138.76.29.7, 5001</a:t>
+                <a:rPr lang="en-US" altLang="en-US" sz="1200" dirty="0"/>
+                <a:t>D: </a:t>
+              </a:r>
+              <a:r>
+                <a:rPr lang="en-US" altLang="en-US" sz="1200" dirty="0">
+                  <a:solidFill>
+                    <a:srgbClr val="FF0000"/>
+                  </a:solidFill>
+                </a:rPr>
+                <a:t>138.76.29.7, 5001</a:t>
               </a:r>
             </a:p>
             <a:p>
-              <a:endParaRPr lang="en-US" altLang="en-US" sz="1200"/>
+              <a:endParaRPr lang="en-US" altLang="en-US" sz="1200" dirty="0">
+                <a:solidFill>
+                  <a:srgbClr val="FF0000"/>
+                </a:solidFill>
+              </a:endParaRPr>
             </a:p>
           </p:txBody>
         </p:sp>
@@ -21204,11 +21334,7 @@
           <a:p>
             <a:r>
               <a:rPr kumimoji="1" lang="en-US" altLang="zh-CN" dirty="0" smtClean="0"/>
-              <a:t>Take your PA </a:t>
-            </a:r>
-            <a:r>
-              <a:rPr kumimoji="1" lang="en-US" altLang="zh-CN" dirty="0" smtClean="0"/>
-              <a:t>I code add NAT handling ICMP and TCP</a:t>
+              <a:t>Take your PA I code add NAT handling ICMP and TCP</a:t>
             </a:r>
           </a:p>
           <a:p>
@@ -21219,7 +21345,6 @@
               <a:rPr kumimoji="1" lang="en-US" altLang="zh-CN" dirty="0" smtClean="0"/>
               <a:t>READ your PA2 handout.</a:t>
             </a:r>
-            <a:endParaRPr kumimoji="1" lang="en-US" altLang="zh-CN" dirty="0" smtClean="0"/>
           </a:p>
           <a:p>
             <a:endParaRPr kumimoji="1" lang="en-US" altLang="zh-CN" dirty="0" smtClean="0"/>

--- a/CSC458/lecture/w7/H15--CSC458--Tutorial-JL.pptx
+++ b/CSC458/lecture/w7/H15--CSC458--Tutorial-JL.pptx
@@ -231,7 +231,7 @@
           <a:p>
             <a:fld id="{67F467C1-2FED-0542-9B30-F3DC3C128C94}" type="datetimeFigureOut">
               <a:rPr kumimoji="1" lang="zh-CN" altLang="en-US" smtClean="0"/>
-              <a:t>2017/11/21</a:t>
+              <a:t>2017/11/23</a:t>
             </a:fld>
             <a:endParaRPr kumimoji="1" lang="zh-CN" altLang="en-US"/>
           </a:p>
@@ -932,7 +932,7 @@
           <a:p>
             <a:fld id="{5B128497-561E-EA4C-92D2-29B4722CABB7}" type="datetimeFigureOut">
               <a:rPr kumimoji="1" lang="zh-CN" altLang="en-US" smtClean="0"/>
-              <a:t>2017/11/21</a:t>
+              <a:t>2017/11/23</a:t>
             </a:fld>
             <a:endParaRPr kumimoji="1" lang="zh-CN" altLang="en-US"/>
           </a:p>
@@ -1102,7 +1102,7 @@
           <a:p>
             <a:fld id="{5B128497-561E-EA4C-92D2-29B4722CABB7}" type="datetimeFigureOut">
               <a:rPr kumimoji="1" lang="zh-CN" altLang="en-US" smtClean="0"/>
-              <a:t>2017/11/21</a:t>
+              <a:t>2017/11/23</a:t>
             </a:fld>
             <a:endParaRPr kumimoji="1" lang="zh-CN" altLang="en-US"/>
           </a:p>
@@ -1282,7 +1282,7 @@
           <a:p>
             <a:fld id="{5B128497-561E-EA4C-92D2-29B4722CABB7}" type="datetimeFigureOut">
               <a:rPr kumimoji="1" lang="zh-CN" altLang="en-US" smtClean="0"/>
-              <a:t>2017/11/21</a:t>
+              <a:t>2017/11/23</a:t>
             </a:fld>
             <a:endParaRPr kumimoji="1" lang="zh-CN" altLang="en-US"/>
           </a:p>
@@ -1452,7 +1452,7 @@
           <a:p>
             <a:fld id="{5B128497-561E-EA4C-92D2-29B4722CABB7}" type="datetimeFigureOut">
               <a:rPr kumimoji="1" lang="zh-CN" altLang="en-US" smtClean="0"/>
-              <a:t>2017/11/21</a:t>
+              <a:t>2017/11/23</a:t>
             </a:fld>
             <a:endParaRPr kumimoji="1" lang="zh-CN" altLang="en-US"/>
           </a:p>
@@ -1698,7 +1698,7 @@
           <a:p>
             <a:fld id="{5B128497-561E-EA4C-92D2-29B4722CABB7}" type="datetimeFigureOut">
               <a:rPr kumimoji="1" lang="zh-CN" altLang="en-US" smtClean="0"/>
-              <a:t>2017/11/21</a:t>
+              <a:t>2017/11/23</a:t>
             </a:fld>
             <a:endParaRPr kumimoji="1" lang="zh-CN" altLang="en-US"/>
           </a:p>
@@ -1986,7 +1986,7 @@
           <a:p>
             <a:fld id="{5B128497-561E-EA4C-92D2-29B4722CABB7}" type="datetimeFigureOut">
               <a:rPr kumimoji="1" lang="zh-CN" altLang="en-US" smtClean="0"/>
-              <a:t>2017/11/21</a:t>
+              <a:t>2017/11/23</a:t>
             </a:fld>
             <a:endParaRPr kumimoji="1" lang="zh-CN" altLang="en-US"/>
           </a:p>
@@ -2408,7 +2408,7 @@
           <a:p>
             <a:fld id="{5B128497-561E-EA4C-92D2-29B4722CABB7}" type="datetimeFigureOut">
               <a:rPr kumimoji="1" lang="zh-CN" altLang="en-US" smtClean="0"/>
-              <a:t>2017/11/21</a:t>
+              <a:t>2017/11/23</a:t>
             </a:fld>
             <a:endParaRPr kumimoji="1" lang="zh-CN" altLang="en-US"/>
           </a:p>
@@ -2526,7 +2526,7 @@
           <a:p>
             <a:fld id="{5B128497-561E-EA4C-92D2-29B4722CABB7}" type="datetimeFigureOut">
               <a:rPr kumimoji="1" lang="zh-CN" altLang="en-US" smtClean="0"/>
-              <a:t>2017/11/21</a:t>
+              <a:t>2017/11/23</a:t>
             </a:fld>
             <a:endParaRPr kumimoji="1" lang="zh-CN" altLang="en-US"/>
           </a:p>
@@ -2621,7 +2621,7 @@
           <a:p>
             <a:fld id="{5B128497-561E-EA4C-92D2-29B4722CABB7}" type="datetimeFigureOut">
               <a:rPr kumimoji="1" lang="zh-CN" altLang="en-US" smtClean="0"/>
-              <a:t>2017/11/21</a:t>
+              <a:t>2017/11/23</a:t>
             </a:fld>
             <a:endParaRPr kumimoji="1" lang="zh-CN" altLang="en-US"/>
           </a:p>
@@ -2898,7 +2898,7 @@
           <a:p>
             <a:fld id="{5B128497-561E-EA4C-92D2-29B4722CABB7}" type="datetimeFigureOut">
               <a:rPr kumimoji="1" lang="zh-CN" altLang="en-US" smtClean="0"/>
-              <a:t>2017/11/21</a:t>
+              <a:t>2017/11/23</a:t>
             </a:fld>
             <a:endParaRPr kumimoji="1" lang="zh-CN" altLang="en-US"/>
           </a:p>
@@ -3151,7 +3151,7 @@
           <a:p>
             <a:fld id="{5B128497-561E-EA4C-92D2-29B4722CABB7}" type="datetimeFigureOut">
               <a:rPr kumimoji="1" lang="zh-CN" altLang="en-US" smtClean="0"/>
-              <a:t>2017/11/21</a:t>
+              <a:t>2017/11/23</a:t>
             </a:fld>
             <a:endParaRPr kumimoji="1" lang="zh-CN" altLang="en-US"/>
           </a:p>
@@ -3364,7 +3364,7 @@
           <a:p>
             <a:fld id="{5B128497-561E-EA4C-92D2-29B4722CABB7}" type="datetimeFigureOut">
               <a:rPr kumimoji="1" lang="zh-CN" altLang="en-US" smtClean="0"/>
-              <a:t>2017/11/21</a:t>
+              <a:t>2017/11/23</a:t>
             </a:fld>
             <a:endParaRPr kumimoji="1" lang="zh-CN" altLang="en-US"/>
           </a:p>
